--- a/docs/webPDB-Final.pptx
+++ b/docs/webPDB-Final.pptx
@@ -306,7 +306,7 @@
           <a:p>
             <a:fld id="{0747035C-E568-9D4A-A4F2-0537E6791F68}" type="datetimeFigureOut">
               <a:rPr lang="it-IT" smtClean="0"/>
-              <a:t>19/07/2012</a:t>
+              <a:t>22/07/2012</a:t>
             </a:fld>
             <a:endParaRPr lang="it-IT"/>
           </a:p>
@@ -471,7 +471,7 @@
           <a:p>
             <a:fld id="{0747035C-E568-9D4A-A4F2-0537E6791F68}" type="datetimeFigureOut">
               <a:rPr lang="it-IT" smtClean="0"/>
-              <a:t>19/07/2012</a:t>
+              <a:t>22/07/2012</a:t>
             </a:fld>
             <a:endParaRPr lang="it-IT"/>
           </a:p>
@@ -646,7 +646,7 @@
           <a:p>
             <a:fld id="{0747035C-E568-9D4A-A4F2-0537E6791F68}" type="datetimeFigureOut">
               <a:rPr lang="it-IT" smtClean="0"/>
-              <a:t>19/07/2012</a:t>
+              <a:t>22/07/2012</a:t>
             </a:fld>
             <a:endParaRPr lang="it-IT"/>
           </a:p>
@@ -811,7 +811,7 @@
           <a:p>
             <a:fld id="{0747035C-E568-9D4A-A4F2-0537E6791F68}" type="datetimeFigureOut">
               <a:rPr lang="it-IT" smtClean="0"/>
-              <a:t>19/07/2012</a:t>
+              <a:t>22/07/2012</a:t>
             </a:fld>
             <a:endParaRPr lang="it-IT"/>
           </a:p>
@@ -1052,7 +1052,7 @@
           <a:p>
             <a:fld id="{0747035C-E568-9D4A-A4F2-0537E6791F68}" type="datetimeFigureOut">
               <a:rPr lang="it-IT" smtClean="0"/>
-              <a:t>19/07/2012</a:t>
+              <a:t>22/07/2012</a:t>
             </a:fld>
             <a:endParaRPr lang="it-IT"/>
           </a:p>
@@ -1335,7 +1335,7 @@
           <a:p>
             <a:fld id="{0747035C-E568-9D4A-A4F2-0537E6791F68}" type="datetimeFigureOut">
               <a:rPr lang="it-IT" smtClean="0"/>
-              <a:t>19/07/2012</a:t>
+              <a:t>22/07/2012</a:t>
             </a:fld>
             <a:endParaRPr lang="it-IT"/>
           </a:p>
@@ -1752,7 +1752,7 @@
           <a:p>
             <a:fld id="{0747035C-E568-9D4A-A4F2-0537E6791F68}" type="datetimeFigureOut">
               <a:rPr lang="it-IT" smtClean="0"/>
-              <a:t>19/07/2012</a:t>
+              <a:t>22/07/2012</a:t>
             </a:fld>
             <a:endParaRPr lang="it-IT"/>
           </a:p>
@@ -1865,7 +1865,7 @@
           <a:p>
             <a:fld id="{0747035C-E568-9D4A-A4F2-0537E6791F68}" type="datetimeFigureOut">
               <a:rPr lang="it-IT" smtClean="0"/>
-              <a:t>19/07/2012</a:t>
+              <a:t>22/07/2012</a:t>
             </a:fld>
             <a:endParaRPr lang="it-IT"/>
           </a:p>
@@ -1955,7 +1955,7 @@
           <a:p>
             <a:fld id="{0747035C-E568-9D4A-A4F2-0537E6791F68}" type="datetimeFigureOut">
               <a:rPr lang="it-IT" smtClean="0"/>
-              <a:t>19/07/2012</a:t>
+              <a:t>22/07/2012</a:t>
             </a:fld>
             <a:endParaRPr lang="it-IT"/>
           </a:p>
@@ -2227,7 +2227,7 @@
           <a:p>
             <a:fld id="{0747035C-E568-9D4A-A4F2-0537E6791F68}" type="datetimeFigureOut">
               <a:rPr lang="it-IT" smtClean="0"/>
-              <a:t>19/07/2012</a:t>
+              <a:t>22/07/2012</a:t>
             </a:fld>
             <a:endParaRPr lang="it-IT"/>
           </a:p>
@@ -2475,7 +2475,7 @@
           <a:p>
             <a:fld id="{0747035C-E568-9D4A-A4F2-0537E6791F68}" type="datetimeFigureOut">
               <a:rPr lang="it-IT" smtClean="0"/>
-              <a:t>19/07/2012</a:t>
+              <a:t>22/07/2012</a:t>
             </a:fld>
             <a:endParaRPr lang="it-IT"/>
           </a:p>
@@ -2683,7 +2683,7 @@
           <a:p>
             <a:fld id="{0747035C-E568-9D4A-A4F2-0537E6791F68}" type="datetimeFigureOut">
               <a:rPr lang="it-IT" smtClean="0"/>
-              <a:t>19/07/2012</a:t>
+              <a:t>22/07/2012</a:t>
             </a:fld>
             <a:endParaRPr lang="it-IT"/>
           </a:p>
@@ -3527,13 +3527,8 @@
             </a:pPr>
             <a:r>
               <a:rPr lang="en-US" sz="3200" dirty="0" smtClean="0"/>
-              <a:t>We’ve a lot of </a:t>
-            </a:r>
-            <a:r>
-              <a:rPr lang="en-US" sz="3200" dirty="0" smtClean="0"/>
-              <a:t>PDBs</a:t>
-            </a:r>
-            <a:endParaRPr lang="en-US" sz="3200" dirty="0" smtClean="0"/>
+              <a:t>We’ve a lot of PDBs</a:t>
+            </a:r>
           </a:p>
           <a:p>
             <a:pPr lvl="1">
@@ -3542,13 +3537,8 @@
             </a:pPr>
             <a:r>
               <a:rPr lang="en-US" sz="3200" dirty="0" smtClean="0"/>
-              <a:t>An automated system that is able to read asynchronously a lot of them and write the parsed JSON into the </a:t>
-            </a:r>
-            <a:r>
-              <a:rPr lang="en-US" sz="3200" dirty="0" smtClean="0"/>
-              <a:t>DB</a:t>
-            </a:r>
-            <a:endParaRPr lang="en-US" sz="3200" dirty="0" smtClean="0"/>
+              <a:t>An automated system that is able to read asynchronously a lot of them and write the parsed JSON into the DB</a:t>
+            </a:r>
           </a:p>
           <a:p>
             <a:pPr lvl="1">
@@ -3577,13 +3567,8 @@
             </a:pPr>
             <a:r>
               <a:rPr lang="en-US" sz="3200" dirty="0" smtClean="0"/>
-              <a:t>Node.js async driven </a:t>
-            </a:r>
-            <a:r>
-              <a:rPr lang="en-US" sz="3200" dirty="0" smtClean="0"/>
-              <a:t>IO-model</a:t>
-            </a:r>
-            <a:endParaRPr lang="en-US" sz="3200" dirty="0" smtClean="0"/>
+              <a:t>Node.js async driven IO-model</a:t>
+            </a:r>
           </a:p>
           <a:p>
             <a:pPr lvl="1">
@@ -5464,7 +5449,7 @@
           <a:lstStyle/>
           <a:p>
             <a:r>
-              <a:rPr lang="en-US" smtClean="0">
+              <a:rPr lang="en-US" dirty="0" smtClean="0">
                 <a:solidFill>
                   <a:schemeClr val="accent2">
                     <a:lumMod val="75000"/>
@@ -5480,7 +5465,7 @@
               </a:rPr>
               <a:t>CouchDB</a:t>
             </a:r>
-            <a:endParaRPr lang="en-US"/>
+            <a:endParaRPr lang="en-US" dirty="0"/>
           </a:p>
         </p:txBody>
       </p:sp>
@@ -5511,7 +5496,7 @@
               <a:buChar char="•"/>
             </a:pPr>
             <a:r>
-              <a:rPr lang="en-US" sz="3200" smtClean="0"/>
+              <a:rPr lang="en-US" sz="3200" dirty="0" smtClean="0"/>
               <a:t>NoSQL document storage</a:t>
             </a:r>
           </a:p>
@@ -5521,7 +5506,7 @@
               <a:buChar char="•"/>
             </a:pPr>
             <a:r>
-              <a:rPr lang="en-US" sz="3200" smtClean="0"/>
+              <a:rPr lang="en-US" sz="3200" dirty="0" smtClean="0"/>
               <a:t>Efficient key retrieval document</a:t>
             </a:r>
           </a:p>
@@ -5531,7 +5516,7 @@
               <a:buChar char="•"/>
             </a:pPr>
             <a:r>
-              <a:rPr lang="en-US" sz="3200" smtClean="0"/>
+              <a:rPr lang="en-US" sz="3200" dirty="0" smtClean="0"/>
               <a:t>MapReduce API for complex queries</a:t>
             </a:r>
           </a:p>
@@ -5541,7 +5526,7 @@
               <a:buChar char="•"/>
             </a:pPr>
             <a:r>
-              <a:rPr lang="en-US" sz="3200" smtClean="0"/>
+              <a:rPr lang="en-US" sz="3200" dirty="0" smtClean="0"/>
               <a:t>Incremental cache update for same queries («view»)</a:t>
             </a:r>
           </a:p>
@@ -5551,7 +5536,7 @@
               <a:buChar char="•"/>
             </a:pPr>
             <a:r>
-              <a:rPr lang="en-US" sz="3200" smtClean="0"/>
+              <a:rPr lang="en-US" sz="3200" dirty="0" smtClean="0"/>
               <a:t>JavaScript interface</a:t>
             </a:r>
           </a:p>
@@ -5560,7 +5545,7 @@
               <a:buFont typeface="Arial" pitchFamily="34" charset="0"/>
               <a:buChar char="•"/>
             </a:pPr>
-            <a:endParaRPr lang="en-US"/>
+            <a:endParaRPr lang="en-US" dirty="0"/>
           </a:p>
         </p:txBody>
       </p:sp>
@@ -5665,15 +5650,7 @@
             </a:pPr>
             <a:r>
               <a:rPr lang="en-US" sz="3200" dirty="0" smtClean="0"/>
-              <a:t>Layer to </a:t>
-            </a:r>
-            <a:r>
-              <a:rPr lang="en-US" sz="3200" dirty="0" err="1" smtClean="0"/>
-              <a:t>CouchDB</a:t>
-            </a:r>
-            <a:r>
-              <a:rPr lang="en-US" sz="3200" dirty="0" smtClean="0"/>
-              <a:t> for insertion and retrieval</a:t>
+              <a:t>Layer to CouchDB for insertion and retrieval</a:t>
             </a:r>
           </a:p>
           <a:p>
@@ -5869,15 +5846,7 @@
             </a:pPr>
             <a:r>
               <a:rPr lang="en-US" dirty="0" smtClean="0"/>
-              <a:t>Using </a:t>
-            </a:r>
-            <a:r>
-              <a:rPr lang="en-US" dirty="0" err="1" smtClean="0"/>
-              <a:t>MapReduce</a:t>
-            </a:r>
-            <a:r>
-              <a:rPr lang="en-US" dirty="0" smtClean="0"/>
-              <a:t> system</a:t>
+              <a:t>Using MapReduce system</a:t>
             </a:r>
           </a:p>
           <a:p>
@@ -6037,13 +6006,13 @@
         </p:nvSpPr>
         <p:spPr>
           <a:xfrm>
-            <a:off x="457200" y="1600200"/>
+            <a:off x="457200" y="1238693"/>
             <a:ext cx="8155172" cy="4949456"/>
           </a:xfrm>
         </p:spPr>
         <p:txBody>
           <a:bodyPr>
-            <a:normAutofit/>
+            <a:normAutofit lnSpcReduction="10000"/>
           </a:bodyPr>
           <a:lstStyle/>
           <a:p>
@@ -6074,12 +6043,12 @@
               <a:t>Completely async </a:t>
             </a:r>
             <a:r>
-              <a:rPr lang="en-US" dirty="0" err="1" smtClean="0"/>
-              <a:t>managment</a:t>
-            </a:r>
-            <a:r>
               <a:rPr lang="en-US" dirty="0" smtClean="0"/>
-              <a:t> of HTTP GET requests</a:t>
+              <a:t>management </a:t>
+            </a:r>
+            <a:r>
+              <a:rPr lang="en-US" dirty="0" smtClean="0"/>
+              <a:t>of HTTP GET requests</a:t>
             </a:r>
           </a:p>
           <a:p>
@@ -6102,20 +6071,33 @@
               <a:t>GET request to </a:t>
             </a:r>
             <a:r>
-              <a:rPr lang="en-US" dirty="0" smtClean="0">
-                <a:hlinkClick r:id="rId2"/>
-              </a:rPr>
-              <a:t>http://server/rest/protein/id/:someid</a:t>
+              <a:rPr lang="en-US" u="sng" dirty="0" smtClean="0">
+                <a:solidFill>
+                  <a:srgbClr val="0070C0"/>
+                </a:solidFill>
+              </a:rPr>
+              <a:t>/rest/protein/id</a:t>
+            </a:r>
+            <a:r>
+              <a:rPr lang="en-US" u="sng" dirty="0" smtClean="0">
+                <a:solidFill>
+                  <a:srgbClr val="0070C0"/>
+                </a:solidFill>
+              </a:rPr>
+              <a:t>/:someid gets </a:t>
             </a:r>
             <a:r>
               <a:rPr lang="en-US" dirty="0" smtClean="0"/>
-              <a:t> gets you the protein with IS :</a:t>
-            </a:r>
-            <a:r>
-              <a:rPr lang="en-US" dirty="0" err="1" smtClean="0"/>
-              <a:t>someid</a:t>
-            </a:r>
-            <a:endParaRPr lang="en-US" dirty="0" smtClean="0"/>
+              <a:t>you the protein with </a:t>
+            </a:r>
+            <a:r>
+              <a:rPr lang="en-US" dirty="0" smtClean="0"/>
+              <a:t>ID </a:t>
+            </a:r>
+            <a:r>
+              <a:rPr lang="en-US" dirty="0" smtClean="0"/>
+              <a:t>:someid</a:t>
+            </a:r>
           </a:p>
           <a:p>
             <a:pPr lvl="2">
@@ -6127,15 +6109,88 @@
               <a:t>GET request to </a:t>
             </a:r>
             <a:r>
-              <a:rPr lang="en-US" dirty="0" smtClean="0">
-                <a:hlinkClick r:id="rId3"/>
-              </a:rPr>
-              <a:t>http://server/rest/protein/name/:somename</a:t>
+              <a:rPr lang="en-US" u="sng" dirty="0" smtClean="0">
+                <a:solidFill>
+                  <a:srgbClr val="0070C0"/>
+                </a:solidFill>
+              </a:rPr>
+              <a:t>/rest/protein/name</a:t>
+            </a:r>
+            <a:r>
+              <a:rPr lang="en-US" u="sng" dirty="0" smtClean="0">
+                <a:solidFill>
+                  <a:srgbClr val="0070C0"/>
+                </a:solidFill>
+              </a:rPr>
+              <a:t>/:somename </a:t>
             </a:r>
             <a:r>
               <a:rPr lang="en-US" dirty="0" smtClean="0"/>
-              <a:t> gets you a list of protein containing that name</a:t>
-            </a:r>
+              <a:t>gets you a list of </a:t>
+            </a:r>
+            <a:r>
+              <a:rPr lang="en-US" dirty="0" smtClean="0"/>
+              <a:t>proteins </a:t>
+            </a:r>
+            <a:r>
+              <a:rPr lang="en-US" dirty="0" smtClean="0"/>
+              <a:t>containing that </a:t>
+            </a:r>
+            <a:r>
+              <a:rPr lang="en-US" dirty="0" smtClean="0"/>
+              <a:t>name</a:t>
+            </a:r>
+          </a:p>
+          <a:p>
+            <a:pPr lvl="2">
+              <a:buFont typeface="Arial" pitchFamily="34" charset="0"/>
+              <a:buChar char="•"/>
+            </a:pPr>
+            <a:r>
+              <a:rPr lang="en-US" dirty="0"/>
+              <a:t>GET request to </a:t>
+            </a:r>
+            <a:r>
+              <a:rPr lang="en-US" u="sng" dirty="0">
+                <a:solidFill>
+                  <a:srgbClr val="0070C0"/>
+                </a:solidFill>
+              </a:rPr>
+              <a:t>/rest/protein/</a:t>
+            </a:r>
+            <a:r>
+              <a:rPr lang="en-US" u="sng" dirty="0" err="1">
+                <a:solidFill>
+                  <a:srgbClr val="0070C0"/>
+                </a:solidFill>
+              </a:rPr>
+              <a:t>byamino</a:t>
+            </a:r>
+            <a:r>
+              <a:rPr lang="en-US" u="sng" dirty="0">
+                <a:solidFill>
+                  <a:srgbClr val="0070C0"/>
+                </a:solidFill>
+              </a:rPr>
+              <a:t>/all/:</a:t>
+            </a:r>
+            <a:r>
+              <a:rPr lang="en-US" u="sng" dirty="0" smtClean="0">
+                <a:solidFill>
+                  <a:srgbClr val="0070C0"/>
+                </a:solidFill>
+              </a:rPr>
+              <a:t>list</a:t>
+            </a:r>
+            <a:r>
+              <a:rPr lang="en-US" dirty="0" smtClean="0"/>
+              <a:t> gets you a list of proteins that contains that exact sequence of amino acids</a:t>
+            </a:r>
+            <a:endParaRPr lang="en-US" u="sng" dirty="0" smtClean="0">
+              <a:solidFill>
+                <a:srgbClr val="0070C0"/>
+              </a:solidFill>
+            </a:endParaRPr>
           </a:p>
           <a:p>
             <a:pPr lvl="2">
@@ -6269,15 +6324,15 @@
               <a:buChar char="•"/>
             </a:pPr>
             <a:r>
-              <a:rPr lang="en-US" smtClean="0"/>
+              <a:rPr lang="en-US" dirty="0" smtClean="0"/>
               <a:t>Using </a:t>
             </a:r>
             <a:r>
-              <a:rPr lang="en-US" u="sng" smtClean="0"/>
+              <a:rPr lang="en-US" u="sng" dirty="0" smtClean="0"/>
               <a:t>express</a:t>
             </a:r>
             <a:r>
-              <a:rPr lang="en-US" smtClean="0"/>
+              <a:rPr lang="en-US" dirty="0" smtClean="0"/>
               <a:t> module of node.js</a:t>
             </a:r>
           </a:p>
@@ -6287,7 +6342,7 @@
               <a:buChar char="•"/>
             </a:pPr>
             <a:r>
-              <a:rPr lang="en-US" smtClean="0"/>
+              <a:rPr lang="en-US" dirty="0" smtClean="0"/>
               <a:t>Nice web interface</a:t>
             </a:r>
           </a:p>
@@ -6297,8 +6352,12 @@
               <a:buChar char="•"/>
             </a:pPr>
             <a:r>
-              <a:rPr lang="en-US" smtClean="0"/>
-              <a:t>Gui for routine operations</a:t>
+              <a:rPr lang="en-US" dirty="0" smtClean="0"/>
+              <a:t>GUI </a:t>
+            </a:r>
+            <a:r>
+              <a:rPr lang="en-US" dirty="0" smtClean="0"/>
+              <a:t>for routine operations</a:t>
             </a:r>
           </a:p>
           <a:p>
@@ -6307,8 +6366,12 @@
               <a:buChar char="•"/>
             </a:pPr>
             <a:r>
-              <a:rPr lang="en-US" smtClean="0"/>
-              <a:t>Starting importing of data</a:t>
+              <a:rPr lang="en-US" dirty="0" smtClean="0"/>
+              <a:t>Start </a:t>
+            </a:r>
+            <a:r>
+              <a:rPr lang="en-US" dirty="0" smtClean="0"/>
+              <a:t>importing of data</a:t>
             </a:r>
           </a:p>
           <a:p>
@@ -6317,9 +6380,14 @@
               <a:buChar char="•"/>
             </a:pPr>
             <a:r>
-              <a:rPr lang="en-US" smtClean="0"/>
-              <a:t>Database mainteneance</a:t>
-            </a:r>
+              <a:rPr lang="en-US" dirty="0" smtClean="0"/>
+              <a:t>Database </a:t>
+            </a:r>
+            <a:r>
+              <a:rPr lang="en-US" dirty="0" smtClean="0"/>
+              <a:t>maintenance</a:t>
+            </a:r>
+            <a:endParaRPr lang="en-US" dirty="0" smtClean="0"/>
           </a:p>
           <a:p>
             <a:pPr lvl="2">
@@ -6327,7 +6395,7 @@
               <a:buChar char="•"/>
             </a:pPr>
             <a:r>
-              <a:rPr lang="en-US" smtClean="0"/>
+              <a:rPr lang="en-US" dirty="0" smtClean="0"/>
               <a:t>Query interface</a:t>
             </a:r>
           </a:p>
@@ -6335,21 +6403,21 @@
             <a:pPr marL="914400" lvl="2" indent="0">
               <a:buNone/>
             </a:pPr>
-            <a:endParaRPr lang="en-US" smtClean="0"/>
+            <a:endParaRPr lang="en-US" dirty="0" smtClean="0"/>
           </a:p>
           <a:p>
             <a:pPr lvl="2">
               <a:buFont typeface="Arial" pitchFamily="34" charset="0"/>
               <a:buChar char="•"/>
             </a:pPr>
-            <a:endParaRPr lang="en-US" smtClean="0"/>
+            <a:endParaRPr lang="en-US" dirty="0" smtClean="0"/>
           </a:p>
           <a:p>
             <a:pPr lvl="1">
               <a:buFont typeface="Arial" pitchFamily="34" charset="0"/>
               <a:buChar char="•"/>
             </a:pPr>
-            <a:endParaRPr lang="en-US"/>
+            <a:endParaRPr lang="en-US" dirty="0"/>
           </a:p>
         </p:txBody>
       </p:sp>
@@ -6581,20 +6649,19 @@
               <a:rPr lang="en-US" dirty="0" smtClean="0"/>
               <a:t>It can be easily extended to work on more data or different data because it’s fully modular</a:t>
             </a:r>
-            <a:endParaRPr lang="en-US" dirty="0" smtClean="0"/>
           </a:p>
           <a:p>
             <a:r>
               <a:rPr lang="en-US" dirty="0" smtClean="0"/>
-              <a:t>Some bugs in earlier </a:t>
-            </a:r>
-            <a:r>
-              <a:rPr lang="en-US" dirty="0" err="1" smtClean="0"/>
-              <a:t>CouchDB</a:t>
+              <a:t>Some bugs in </a:t>
             </a:r>
             <a:r>
               <a:rPr lang="en-US" dirty="0" smtClean="0"/>
-              <a:t> version made us wrote code that could be trimmed down in the future</a:t>
+              <a:t>recent Couch DB </a:t>
+            </a:r>
+            <a:r>
+              <a:rPr lang="en-US" dirty="0" smtClean="0"/>
+              <a:t>version made us wrote code that could be trimmed down in the future</a:t>
             </a:r>
           </a:p>
           <a:p>
@@ -6853,15 +6920,7 @@
             </a:pPr>
             <a:r>
               <a:rPr lang="en-US" dirty="0" smtClean="0"/>
-              <a:t> </a:t>
-            </a:r>
-            <a:r>
-              <a:rPr lang="en-US" dirty="0" smtClean="0"/>
-              <a:t>Maintainable </a:t>
-            </a:r>
-            <a:r>
-              <a:rPr lang="en-US" dirty="0" smtClean="0"/>
-              <a:t>infrastructure</a:t>
+              <a:t> Maintainable infrastructure</a:t>
             </a:r>
           </a:p>
           <a:p>
@@ -7539,15 +7598,19 @@
             </a:pPr>
             <a:r>
               <a:rPr lang="en-US" dirty="0" smtClean="0"/>
-              <a:t>Working as user land module, not as good as kernel module (at least 50% </a:t>
+              <a:t>Working as </a:t>
+            </a:r>
+            <a:r>
+              <a:rPr lang="en-US" dirty="0" err="1" smtClean="0"/>
+              <a:t>userland</a:t>
             </a:r>
             <a:r>
               <a:rPr lang="en-US" dirty="0" smtClean="0"/>
-              <a:t>performance </a:t>
+              <a:t> </a:t>
             </a:r>
             <a:r>
               <a:rPr lang="en-US" dirty="0" smtClean="0"/>
-              <a:t>hit)</a:t>
+              <a:t>module, not as good as kernel module (at least 50% performance hit)</a:t>
             </a:r>
           </a:p>
         </p:txBody>

--- a/docs/webPDB-Final.pptx
+++ b/docs/webPDB-Final.pptx
@@ -306,7 +306,7 @@
           <a:p>
             <a:fld id="{0747035C-E568-9D4A-A4F2-0537E6791F68}" type="datetimeFigureOut">
               <a:rPr lang="it-IT" smtClean="0"/>
-              <a:t>22/07/2012</a:t>
+              <a:t>23/07/2012</a:t>
             </a:fld>
             <a:endParaRPr lang="it-IT"/>
           </a:p>
@@ -471,7 +471,7 @@
           <a:p>
             <a:fld id="{0747035C-E568-9D4A-A4F2-0537E6791F68}" type="datetimeFigureOut">
               <a:rPr lang="it-IT" smtClean="0"/>
-              <a:t>22/07/2012</a:t>
+              <a:t>23/07/2012</a:t>
             </a:fld>
             <a:endParaRPr lang="it-IT"/>
           </a:p>
@@ -646,7 +646,7 @@
           <a:p>
             <a:fld id="{0747035C-E568-9D4A-A4F2-0537E6791F68}" type="datetimeFigureOut">
               <a:rPr lang="it-IT" smtClean="0"/>
-              <a:t>22/07/2012</a:t>
+              <a:t>23/07/2012</a:t>
             </a:fld>
             <a:endParaRPr lang="it-IT"/>
           </a:p>
@@ -811,7 +811,7 @@
           <a:p>
             <a:fld id="{0747035C-E568-9D4A-A4F2-0537E6791F68}" type="datetimeFigureOut">
               <a:rPr lang="it-IT" smtClean="0"/>
-              <a:t>22/07/2012</a:t>
+              <a:t>23/07/2012</a:t>
             </a:fld>
             <a:endParaRPr lang="it-IT"/>
           </a:p>
@@ -1052,7 +1052,7 @@
           <a:p>
             <a:fld id="{0747035C-E568-9D4A-A4F2-0537E6791F68}" type="datetimeFigureOut">
               <a:rPr lang="it-IT" smtClean="0"/>
-              <a:t>22/07/2012</a:t>
+              <a:t>23/07/2012</a:t>
             </a:fld>
             <a:endParaRPr lang="it-IT"/>
           </a:p>
@@ -1335,7 +1335,7 @@
           <a:p>
             <a:fld id="{0747035C-E568-9D4A-A4F2-0537E6791F68}" type="datetimeFigureOut">
               <a:rPr lang="it-IT" smtClean="0"/>
-              <a:t>22/07/2012</a:t>
+              <a:t>23/07/2012</a:t>
             </a:fld>
             <a:endParaRPr lang="it-IT"/>
           </a:p>
@@ -1752,7 +1752,7 @@
           <a:p>
             <a:fld id="{0747035C-E568-9D4A-A4F2-0537E6791F68}" type="datetimeFigureOut">
               <a:rPr lang="it-IT" smtClean="0"/>
-              <a:t>22/07/2012</a:t>
+              <a:t>23/07/2012</a:t>
             </a:fld>
             <a:endParaRPr lang="it-IT"/>
           </a:p>
@@ -1865,7 +1865,7 @@
           <a:p>
             <a:fld id="{0747035C-E568-9D4A-A4F2-0537E6791F68}" type="datetimeFigureOut">
               <a:rPr lang="it-IT" smtClean="0"/>
-              <a:t>22/07/2012</a:t>
+              <a:t>23/07/2012</a:t>
             </a:fld>
             <a:endParaRPr lang="it-IT"/>
           </a:p>
@@ -1955,7 +1955,7 @@
           <a:p>
             <a:fld id="{0747035C-E568-9D4A-A4F2-0537E6791F68}" type="datetimeFigureOut">
               <a:rPr lang="it-IT" smtClean="0"/>
-              <a:t>22/07/2012</a:t>
+              <a:t>23/07/2012</a:t>
             </a:fld>
             <a:endParaRPr lang="it-IT"/>
           </a:p>
@@ -2227,7 +2227,7 @@
           <a:p>
             <a:fld id="{0747035C-E568-9D4A-A4F2-0537E6791F68}" type="datetimeFigureOut">
               <a:rPr lang="it-IT" smtClean="0"/>
-              <a:t>22/07/2012</a:t>
+              <a:t>23/07/2012</a:t>
             </a:fld>
             <a:endParaRPr lang="it-IT"/>
           </a:p>
@@ -2475,7 +2475,7 @@
           <a:p>
             <a:fld id="{0747035C-E568-9D4A-A4F2-0537E6791F68}" type="datetimeFigureOut">
               <a:rPr lang="it-IT" smtClean="0"/>
-              <a:t>22/07/2012</a:t>
+              <a:t>23/07/2012</a:t>
             </a:fld>
             <a:endParaRPr lang="it-IT"/>
           </a:p>
@@ -2683,7 +2683,7 @@
           <a:p>
             <a:fld id="{0747035C-E568-9D4A-A4F2-0537E6791F68}" type="datetimeFigureOut">
               <a:rPr lang="it-IT" smtClean="0"/>
-              <a:t>22/07/2012</a:t>
+              <a:t>23/07/2012</a:t>
             </a:fld>
             <a:endParaRPr lang="it-IT"/>
           </a:p>
@@ -6040,15 +6040,7 @@
             </a:pPr>
             <a:r>
               <a:rPr lang="en-US" dirty="0" smtClean="0"/>
-              <a:t>Completely async </a:t>
-            </a:r>
-            <a:r>
-              <a:rPr lang="en-US" dirty="0" smtClean="0"/>
-              <a:t>management </a:t>
-            </a:r>
-            <a:r>
-              <a:rPr lang="en-US" dirty="0" smtClean="0"/>
-              <a:t>of HTTP GET requests</a:t>
+              <a:t>Completely async management of HTTP GET requests</a:t>
             </a:r>
           </a:p>
           <a:p>
@@ -6076,27 +6068,11 @@
                   <a:srgbClr val="0070C0"/>
                 </a:solidFill>
               </a:rPr>
-              <a:t>/rest/protein/id</a:t>
-            </a:r>
-            <a:r>
-              <a:rPr lang="en-US" u="sng" dirty="0" smtClean="0">
-                <a:solidFill>
-                  <a:srgbClr val="0070C0"/>
-                </a:solidFill>
-              </a:rPr>
-              <a:t>/:someid gets </a:t>
+              <a:t>/rest/protein/id/:someid gets </a:t>
             </a:r>
             <a:r>
               <a:rPr lang="en-US" dirty="0" smtClean="0"/>
-              <a:t>you the protein with </a:t>
-            </a:r>
-            <a:r>
-              <a:rPr lang="en-US" dirty="0" smtClean="0"/>
-              <a:t>ID </a:t>
-            </a:r>
-            <a:r>
-              <a:rPr lang="en-US" dirty="0" smtClean="0"/>
-              <a:t>:someid</a:t>
+              <a:t>you the protein with ID :someid</a:t>
             </a:r>
           </a:p>
           <a:p>
@@ -6114,31 +6090,11 @@
                   <a:srgbClr val="0070C0"/>
                 </a:solidFill>
               </a:rPr>
-              <a:t>/rest/protein/name</a:t>
-            </a:r>
-            <a:r>
-              <a:rPr lang="en-US" u="sng" dirty="0" smtClean="0">
-                <a:solidFill>
-                  <a:srgbClr val="0070C0"/>
-                </a:solidFill>
-              </a:rPr>
-              <a:t>/:somename </a:t>
+              <a:t>/rest/protein/name/:somename </a:t>
             </a:r>
             <a:r>
               <a:rPr lang="en-US" dirty="0" smtClean="0"/>
-              <a:t>gets you a list of </a:t>
-            </a:r>
-            <a:r>
-              <a:rPr lang="en-US" dirty="0" smtClean="0"/>
-              <a:t>proteins </a:t>
-            </a:r>
-            <a:r>
-              <a:rPr lang="en-US" dirty="0" smtClean="0"/>
-              <a:t>containing that </a:t>
-            </a:r>
-            <a:r>
-              <a:rPr lang="en-US" dirty="0" smtClean="0"/>
-              <a:t>name</a:t>
+              <a:t>gets you a list of proteins containing that name</a:t>
             </a:r>
           </a:p>
           <a:p>
@@ -6353,11 +6309,7 @@
             </a:pPr>
             <a:r>
               <a:rPr lang="en-US" dirty="0" smtClean="0"/>
-              <a:t>GUI </a:t>
-            </a:r>
-            <a:r>
-              <a:rPr lang="en-US" dirty="0" smtClean="0"/>
-              <a:t>for routine operations</a:t>
+              <a:t>GUI for routine operations</a:t>
             </a:r>
           </a:p>
           <a:p>
@@ -6367,11 +6319,7 @@
             </a:pPr>
             <a:r>
               <a:rPr lang="en-US" dirty="0" smtClean="0"/>
-              <a:t>Start </a:t>
-            </a:r>
-            <a:r>
-              <a:rPr lang="en-US" dirty="0" smtClean="0"/>
-              <a:t>importing of data</a:t>
+              <a:t>Start importing of data</a:t>
             </a:r>
           </a:p>
           <a:p>
@@ -6381,13 +6329,8 @@
             </a:pPr>
             <a:r>
               <a:rPr lang="en-US" dirty="0" smtClean="0"/>
-              <a:t>Database </a:t>
-            </a:r>
-            <a:r>
-              <a:rPr lang="en-US" dirty="0" smtClean="0"/>
-              <a:t>maintenance</a:t>
-            </a:r>
-            <a:endParaRPr lang="en-US" dirty="0" smtClean="0"/>
+              <a:t>Database maintenance</a:t>
+            </a:r>
           </a:p>
           <a:p>
             <a:pPr lvl="2">
@@ -6653,15 +6596,7 @@
           <a:p>
             <a:r>
               <a:rPr lang="en-US" dirty="0" smtClean="0"/>
-              <a:t>Some bugs in </a:t>
-            </a:r>
-            <a:r>
-              <a:rPr lang="en-US" dirty="0" smtClean="0"/>
-              <a:t>recent Couch DB </a:t>
-            </a:r>
-            <a:r>
-              <a:rPr lang="en-US" dirty="0" smtClean="0"/>
-              <a:t>version made us wrote code that could be trimmed down in the future</a:t>
+              <a:t>Some bugs in recent Couch DB version made us wrote code that could be trimmed down in the future</a:t>
             </a:r>
           </a:p>
           <a:p>
@@ -7167,15 +7102,19 @@
           <a:p>
             <a:r>
               <a:rPr lang="en-US" dirty="0" smtClean="0"/>
-              <a:t>A scalable software system, event driven, with minimal overhead and maximum </a:t>
-            </a:r>
-            <a:r>
-              <a:rPr lang="en-US" dirty="0" err="1" smtClean="0"/>
-              <a:t>scalabilty</a:t>
+              <a:t>A scalable software system, event driven, with minimal overhead and </a:t>
+            </a:r>
+            <a:r>
+              <a:rPr lang="en-US" smtClean="0"/>
+              <a:t>maximum </a:t>
+            </a:r>
+            <a:r>
+              <a:rPr lang="en-US" smtClean="0"/>
+              <a:t>scalability </a:t>
             </a:r>
             <a:r>
               <a:rPr lang="en-US" dirty="0" smtClean="0"/>
-              <a:t> for the deploy of a REST web service</a:t>
+              <a:t>for the deploy of a REST web service</a:t>
             </a:r>
           </a:p>
         </p:txBody>
@@ -7601,12 +7540,8 @@
               <a:t>Working as </a:t>
             </a:r>
             <a:r>
-              <a:rPr lang="en-US" dirty="0" err="1" smtClean="0"/>
-              <a:t>userland</a:t>
-            </a:r>
-            <a:r>
               <a:rPr lang="en-US" dirty="0" smtClean="0"/>
-              <a:t> </a:t>
+              <a:t>user land </a:t>
             </a:r>
             <a:r>
               <a:rPr lang="en-US" dirty="0" smtClean="0"/>
@@ -7875,6 +7810,308 @@
           </a:extLst>
         </p:spPr>
       </p:pic>
+      <p:sp>
+        <p:nvSpPr>
+          <p:cNvPr id="4" name="Figura a mano libera 3"/>
+          <p:cNvSpPr/>
+          <p:nvPr/>
+        </p:nvSpPr>
+        <p:spPr>
+          <a:xfrm>
+            <a:off x="4242391" y="1424763"/>
+            <a:ext cx="1616149" cy="425441"/>
+          </a:xfrm>
+          <a:custGeom>
+            <a:avLst/>
+            <a:gdLst>
+              <a:gd name="connsiteX0" fmla="*/ 74428 w 1616149"/>
+              <a:gd name="connsiteY0" fmla="*/ 0 h 425441"/>
+              <a:gd name="connsiteX1" fmla="*/ 74428 w 1616149"/>
+              <a:gd name="connsiteY1" fmla="*/ 0 h 425441"/>
+              <a:gd name="connsiteX2" fmla="*/ 21265 w 1616149"/>
+              <a:gd name="connsiteY2" fmla="*/ 74428 h 425441"/>
+              <a:gd name="connsiteX3" fmla="*/ 0 w 1616149"/>
+              <a:gd name="connsiteY3" fmla="*/ 138223 h 425441"/>
+              <a:gd name="connsiteX4" fmla="*/ 10632 w 1616149"/>
+              <a:gd name="connsiteY4" fmla="*/ 255181 h 425441"/>
+              <a:gd name="connsiteX5" fmla="*/ 31897 w 1616149"/>
+              <a:gd name="connsiteY5" fmla="*/ 318977 h 425441"/>
+              <a:gd name="connsiteX6" fmla="*/ 63795 w 1616149"/>
+              <a:gd name="connsiteY6" fmla="*/ 382772 h 425441"/>
+              <a:gd name="connsiteX7" fmla="*/ 329609 w 1616149"/>
+              <a:gd name="connsiteY7" fmla="*/ 393404 h 425441"/>
+              <a:gd name="connsiteX8" fmla="*/ 723014 w 1616149"/>
+              <a:gd name="connsiteY8" fmla="*/ 404037 h 425441"/>
+              <a:gd name="connsiteX9" fmla="*/ 1010093 w 1616149"/>
+              <a:gd name="connsiteY9" fmla="*/ 414670 h 425441"/>
+              <a:gd name="connsiteX10" fmla="*/ 1084521 w 1616149"/>
+              <a:gd name="connsiteY10" fmla="*/ 425302 h 425441"/>
+              <a:gd name="connsiteX11" fmla="*/ 1446028 w 1616149"/>
+              <a:gd name="connsiteY11" fmla="*/ 404037 h 425441"/>
+              <a:gd name="connsiteX12" fmla="*/ 1541721 w 1616149"/>
+              <a:gd name="connsiteY12" fmla="*/ 350874 h 425441"/>
+              <a:gd name="connsiteX13" fmla="*/ 1573618 w 1616149"/>
+              <a:gd name="connsiteY13" fmla="*/ 329609 h 425441"/>
+              <a:gd name="connsiteX14" fmla="*/ 1594883 w 1616149"/>
+              <a:gd name="connsiteY14" fmla="*/ 297711 h 425441"/>
+              <a:gd name="connsiteX15" fmla="*/ 1616149 w 1616149"/>
+              <a:gd name="connsiteY15" fmla="*/ 233916 h 425441"/>
+              <a:gd name="connsiteX16" fmla="*/ 1605516 w 1616149"/>
+              <a:gd name="connsiteY16" fmla="*/ 116958 h 425441"/>
+              <a:gd name="connsiteX17" fmla="*/ 1594883 w 1616149"/>
+              <a:gd name="connsiteY17" fmla="*/ 85060 h 425441"/>
+              <a:gd name="connsiteX18" fmla="*/ 1531088 w 1616149"/>
+              <a:gd name="connsiteY18" fmla="*/ 63795 h 425441"/>
+              <a:gd name="connsiteX19" fmla="*/ 1499190 w 1616149"/>
+              <a:gd name="connsiteY19" fmla="*/ 42530 h 425441"/>
+              <a:gd name="connsiteX20" fmla="*/ 1371600 w 1616149"/>
+              <a:gd name="connsiteY20" fmla="*/ 21265 h 425441"/>
+              <a:gd name="connsiteX21" fmla="*/ 1307804 w 1616149"/>
+              <a:gd name="connsiteY21" fmla="*/ 10632 h 425441"/>
+              <a:gd name="connsiteX22" fmla="*/ 1041990 w 1616149"/>
+              <a:gd name="connsiteY22" fmla="*/ 21265 h 425441"/>
+              <a:gd name="connsiteX23" fmla="*/ 861237 w 1616149"/>
+              <a:gd name="connsiteY23" fmla="*/ 31897 h 425441"/>
+              <a:gd name="connsiteX24" fmla="*/ 552893 w 1616149"/>
+              <a:gd name="connsiteY24" fmla="*/ 21265 h 425441"/>
+              <a:gd name="connsiteX25" fmla="*/ 74428 w 1616149"/>
+              <a:gd name="connsiteY25" fmla="*/ 0 h 425441"/>
+            </a:gdLst>
+            <a:ahLst/>
+            <a:cxnLst>
+              <a:cxn ang="0">
+                <a:pos x="connsiteX0" y="connsiteY0"/>
+              </a:cxn>
+              <a:cxn ang="0">
+                <a:pos x="connsiteX1" y="connsiteY1"/>
+              </a:cxn>
+              <a:cxn ang="0">
+                <a:pos x="connsiteX2" y="connsiteY2"/>
+              </a:cxn>
+              <a:cxn ang="0">
+                <a:pos x="connsiteX3" y="connsiteY3"/>
+              </a:cxn>
+              <a:cxn ang="0">
+                <a:pos x="connsiteX4" y="connsiteY4"/>
+              </a:cxn>
+              <a:cxn ang="0">
+                <a:pos x="connsiteX5" y="connsiteY5"/>
+              </a:cxn>
+              <a:cxn ang="0">
+                <a:pos x="connsiteX6" y="connsiteY6"/>
+              </a:cxn>
+              <a:cxn ang="0">
+                <a:pos x="connsiteX7" y="connsiteY7"/>
+              </a:cxn>
+              <a:cxn ang="0">
+                <a:pos x="connsiteX8" y="connsiteY8"/>
+              </a:cxn>
+              <a:cxn ang="0">
+                <a:pos x="connsiteX9" y="connsiteY9"/>
+              </a:cxn>
+              <a:cxn ang="0">
+                <a:pos x="connsiteX10" y="connsiteY10"/>
+              </a:cxn>
+              <a:cxn ang="0">
+                <a:pos x="connsiteX11" y="connsiteY11"/>
+              </a:cxn>
+              <a:cxn ang="0">
+                <a:pos x="connsiteX12" y="connsiteY12"/>
+              </a:cxn>
+              <a:cxn ang="0">
+                <a:pos x="connsiteX13" y="connsiteY13"/>
+              </a:cxn>
+              <a:cxn ang="0">
+                <a:pos x="connsiteX14" y="connsiteY14"/>
+              </a:cxn>
+              <a:cxn ang="0">
+                <a:pos x="connsiteX15" y="connsiteY15"/>
+              </a:cxn>
+              <a:cxn ang="0">
+                <a:pos x="connsiteX16" y="connsiteY16"/>
+              </a:cxn>
+              <a:cxn ang="0">
+                <a:pos x="connsiteX17" y="connsiteY17"/>
+              </a:cxn>
+              <a:cxn ang="0">
+                <a:pos x="connsiteX18" y="connsiteY18"/>
+              </a:cxn>
+              <a:cxn ang="0">
+                <a:pos x="connsiteX19" y="connsiteY19"/>
+              </a:cxn>
+              <a:cxn ang="0">
+                <a:pos x="connsiteX20" y="connsiteY20"/>
+              </a:cxn>
+              <a:cxn ang="0">
+                <a:pos x="connsiteX21" y="connsiteY21"/>
+              </a:cxn>
+              <a:cxn ang="0">
+                <a:pos x="connsiteX22" y="connsiteY22"/>
+              </a:cxn>
+              <a:cxn ang="0">
+                <a:pos x="connsiteX23" y="connsiteY23"/>
+              </a:cxn>
+              <a:cxn ang="0">
+                <a:pos x="connsiteX24" y="connsiteY24"/>
+              </a:cxn>
+              <a:cxn ang="0">
+                <a:pos x="connsiteX25" y="connsiteY25"/>
+              </a:cxn>
+            </a:cxnLst>
+            <a:rect l="l" t="t" r="r" b="b"/>
+            <a:pathLst>
+              <a:path w="1616149" h="425441">
+                <a:moveTo>
+                  <a:pt x="74428" y="0"/>
+                </a:moveTo>
+                <a:lnTo>
+                  <a:pt x="74428" y="0"/>
+                </a:lnTo>
+                <a:cubicBezTo>
+                  <a:pt x="56707" y="24809"/>
+                  <a:pt x="35720" y="47584"/>
+                  <a:pt x="21265" y="74428"/>
+                </a:cubicBezTo>
+                <a:cubicBezTo>
+                  <a:pt x="10638" y="94164"/>
+                  <a:pt x="0" y="138223"/>
+                  <a:pt x="0" y="138223"/>
+                </a:cubicBezTo>
+                <a:cubicBezTo>
+                  <a:pt x="3544" y="177209"/>
+                  <a:pt x="3829" y="216630"/>
+                  <a:pt x="10632" y="255181"/>
+                </a:cubicBezTo>
+                <a:cubicBezTo>
+                  <a:pt x="14527" y="277256"/>
+                  <a:pt x="24808" y="297712"/>
+                  <a:pt x="31897" y="318977"/>
+                </a:cubicBezTo>
+                <a:cubicBezTo>
+                  <a:pt x="35145" y="328720"/>
+                  <a:pt x="49342" y="380631"/>
+                  <a:pt x="63795" y="382772"/>
+                </a:cubicBezTo>
+                <a:cubicBezTo>
+                  <a:pt x="151513" y="395767"/>
+                  <a:pt x="240980" y="390545"/>
+                  <a:pt x="329609" y="393404"/>
+                </a:cubicBezTo>
+                <a:lnTo>
+                  <a:pt x="723014" y="404037"/>
+                </a:lnTo>
+                <a:lnTo>
+                  <a:pt x="1010093" y="414670"/>
+                </a:lnTo>
+                <a:cubicBezTo>
+                  <a:pt x="1034902" y="418214"/>
+                  <a:pt x="1059460" y="425302"/>
+                  <a:pt x="1084521" y="425302"/>
+                </a:cubicBezTo>
+                <a:cubicBezTo>
+                  <a:pt x="1335371" y="425302"/>
+                  <a:pt x="1299134" y="428520"/>
+                  <a:pt x="1446028" y="404037"/>
+                </a:cubicBezTo>
+                <a:cubicBezTo>
+                  <a:pt x="1502170" y="385322"/>
+                  <a:pt x="1468601" y="399620"/>
+                  <a:pt x="1541721" y="350874"/>
+                </a:cubicBezTo>
+                <a:lnTo>
+                  <a:pt x="1573618" y="329609"/>
+                </a:lnTo>
+                <a:cubicBezTo>
+                  <a:pt x="1580706" y="318976"/>
+                  <a:pt x="1589693" y="309388"/>
+                  <a:pt x="1594883" y="297711"/>
+                </a:cubicBezTo>
+                <a:cubicBezTo>
+                  <a:pt x="1603987" y="277228"/>
+                  <a:pt x="1616149" y="233916"/>
+                  <a:pt x="1616149" y="233916"/>
+                </a:cubicBezTo>
+                <a:cubicBezTo>
+                  <a:pt x="1612605" y="194930"/>
+                  <a:pt x="1611052" y="155711"/>
+                  <a:pt x="1605516" y="116958"/>
+                </a:cubicBezTo>
+                <a:cubicBezTo>
+                  <a:pt x="1603931" y="105863"/>
+                  <a:pt x="1604003" y="91574"/>
+                  <a:pt x="1594883" y="85060"/>
+                </a:cubicBezTo>
+                <a:cubicBezTo>
+                  <a:pt x="1576643" y="72031"/>
+                  <a:pt x="1549739" y="76229"/>
+                  <a:pt x="1531088" y="63795"/>
+                </a:cubicBezTo>
+                <a:cubicBezTo>
+                  <a:pt x="1520455" y="56707"/>
+                  <a:pt x="1510620" y="48245"/>
+                  <a:pt x="1499190" y="42530"/>
+                </a:cubicBezTo>
+                <a:cubicBezTo>
+                  <a:pt x="1462920" y="24395"/>
+                  <a:pt x="1403767" y="25554"/>
+                  <a:pt x="1371600" y="21265"/>
+                </a:cubicBezTo>
+                <a:cubicBezTo>
+                  <a:pt x="1350230" y="18416"/>
+                  <a:pt x="1329069" y="14176"/>
+                  <a:pt x="1307804" y="10632"/>
+                </a:cubicBezTo>
+                <a:lnTo>
+                  <a:pt x="1041990" y="21265"/>
+                </a:lnTo>
+                <a:cubicBezTo>
+                  <a:pt x="981703" y="24136"/>
+                  <a:pt x="921592" y="31897"/>
+                  <a:pt x="861237" y="31897"/>
+                </a:cubicBezTo>
+                <a:cubicBezTo>
+                  <a:pt x="758395" y="31897"/>
+                  <a:pt x="655674" y="24809"/>
+                  <a:pt x="552893" y="21265"/>
+                </a:cubicBezTo>
+                <a:cubicBezTo>
+                  <a:pt x="301589" y="1933"/>
+                  <a:pt x="154172" y="3544"/>
+                  <a:pt x="74428" y="0"/>
+                </a:cubicBezTo>
+                <a:close/>
+              </a:path>
+            </a:pathLst>
+          </a:custGeom>
+          <a:ln>
+            <a:solidFill>
+              <a:schemeClr val="bg1"/>
+            </a:solidFill>
+          </a:ln>
+        </p:spPr>
+        <p:style>
+          <a:lnRef idx="2">
+            <a:schemeClr val="accent1"/>
+          </a:lnRef>
+          <a:fillRef idx="1">
+            <a:schemeClr val="lt1"/>
+          </a:fillRef>
+          <a:effectRef idx="0">
+            <a:schemeClr val="accent1"/>
+          </a:effectRef>
+          <a:fontRef idx="minor">
+            <a:schemeClr val="dk1"/>
+          </a:fontRef>
+        </p:style>
+        <p:txBody>
+          <a:bodyPr rtlCol="0" anchor="ctr"/>
+          <a:lstStyle/>
+          <a:p>
+            <a:pPr algn="ctr"/>
+            <a:endParaRPr lang="it-IT"/>
+          </a:p>
+        </p:txBody>
+      </p:sp>
     </p:spTree>
     <p:extLst>
       <p:ext uri="{BB962C8B-B14F-4D97-AF65-F5344CB8AC3E}">
@@ -7989,6 +8226,52 @@
           </a:extLst>
         </p:spPr>
       </p:pic>
+      <p:sp>
+        <p:nvSpPr>
+          <p:cNvPr id="3" name="Rettangolo 2"/>
+          <p:cNvSpPr/>
+          <p:nvPr/>
+        </p:nvSpPr>
+        <p:spPr>
+          <a:xfrm>
+            <a:off x="2456121" y="1279415"/>
+            <a:ext cx="1594884" cy="432427"/>
+          </a:xfrm>
+          <a:prstGeom prst="rect">
+            <a:avLst/>
+          </a:prstGeom>
+          <a:solidFill>
+            <a:schemeClr val="bg1"/>
+          </a:solidFill>
+          <a:ln>
+            <a:solidFill>
+              <a:schemeClr val="bg1"/>
+            </a:solidFill>
+          </a:ln>
+        </p:spPr>
+        <p:style>
+          <a:lnRef idx="2">
+            <a:schemeClr val="accent1"/>
+          </a:lnRef>
+          <a:fillRef idx="1">
+            <a:schemeClr val="lt1"/>
+          </a:fillRef>
+          <a:effectRef idx="0">
+            <a:schemeClr val="accent1"/>
+          </a:effectRef>
+          <a:fontRef idx="minor">
+            <a:schemeClr val="dk1"/>
+          </a:fontRef>
+        </p:style>
+        <p:txBody>
+          <a:bodyPr rtlCol="0" anchor="ctr"/>
+          <a:lstStyle/>
+          <a:p>
+            <a:pPr algn="ctr"/>
+            <a:endParaRPr lang="it-IT"/>
+          </a:p>
+        </p:txBody>
+      </p:sp>
     </p:spTree>
     <p:extLst>
       <p:ext uri="{BB962C8B-B14F-4D97-AF65-F5344CB8AC3E}">
